--- a/Project/Final Project_KPN_Ammar.pptx
+++ b/Project/Final Project_KPN_Ammar.pptx
@@ -5,10 +5,10 @@
     <p:sldMasterId id="2147483660" r:id="rId1"/>
   </p:sldMasterIdLst>
   <p:notesMasterIdLst>
-    <p:notesMasterId r:id="rId13"/>
+    <p:notesMasterId r:id="rId12"/>
   </p:notesMasterIdLst>
   <p:handoutMasterIdLst>
-    <p:handoutMasterId r:id="rId14"/>
+    <p:handoutMasterId r:id="rId13"/>
   </p:handoutMasterIdLst>
   <p:sldIdLst>
     <p:sldId id="452" r:id="rId2"/>
@@ -21,7 +21,6 @@
     <p:sldId id="476" r:id="rId9"/>
     <p:sldId id="477" r:id="rId10"/>
     <p:sldId id="478" r:id="rId11"/>
-    <p:sldId id="479" r:id="rId12"/>
   </p:sldIdLst>
   <p:sldSz cx="9144000" cy="6858000" type="screen4x3"/>
   <p:notesSz cx="7315200" cy="9601200"/>
@@ -1023,112 +1022,6 @@
     <p:extLst>
       <p:ext uri="{BB962C8B-B14F-4D97-AF65-F5344CB8AC3E}">
         <p14:creationId xmlns:p14="http://schemas.microsoft.com/office/powerpoint/2010/main" val="932548238"/>
-      </p:ext>
-    </p:extLst>
-  </p:cSld>
-  <p:clrMapOvr>
-    <a:masterClrMapping/>
-  </p:clrMapOvr>
-</p:notes>
-</file>
-
-<file path=ppt/notesSlides/notesSlide11.xml><?xml version="1.0" encoding="utf-8"?>
-<p:notes xmlns:a="http://schemas.openxmlformats.org/drawingml/2006/main" xmlns:r="http://schemas.openxmlformats.org/officeDocument/2006/relationships" xmlns:p="http://schemas.openxmlformats.org/presentationml/2006/main">
-  <p:cSld>
-    <p:spTree>
-      <p:nvGrpSpPr>
-        <p:cNvPr id="1" name=""/>
-        <p:cNvGrpSpPr/>
-        <p:nvPr/>
-      </p:nvGrpSpPr>
-      <p:grpSpPr>
-        <a:xfrm>
-          <a:off x="0" y="0"/>
-          <a:ext cx="0" cy="0"/>
-          <a:chOff x="0" y="0"/>
-          <a:chExt cx="0" cy="0"/>
-        </a:xfrm>
-      </p:grpSpPr>
-      <p:sp>
-        <p:nvSpPr>
-          <p:cNvPr id="2" name="Slide Image Placeholder 1"/>
-          <p:cNvSpPr>
-            <a:spLocks noGrp="1" noRot="1" noChangeAspect="1"/>
-          </p:cNvSpPr>
-          <p:nvPr>
-            <p:ph type="sldImg"/>
-          </p:nvPr>
-        </p:nvSpPr>
-        <p:spPr/>
-      </p:sp>
-      <p:sp>
-        <p:nvSpPr>
-          <p:cNvPr id="3" name="Notes Placeholder 2"/>
-          <p:cNvSpPr>
-            <a:spLocks noGrp="1"/>
-          </p:cNvSpPr>
-          <p:nvPr>
-            <p:ph type="body" idx="1"/>
-          </p:nvPr>
-        </p:nvSpPr>
-        <p:spPr/>
-        <p:txBody>
-          <a:bodyPr/>
-          <a:lstStyle/>
-          <a:p>
-            <a:r>
-              <a:rPr lang="en-US" altLang="ko-KR" dirty="0" smtClean="0"/>
-              <a:t>Pitch </a:t>
-            </a:r>
-            <a:r>
-              <a:rPr lang="mr-IN" altLang="ko-KR" dirty="0" smtClean="0"/>
-              <a:t>–</a:t>
-            </a:r>
-            <a:r>
-              <a:rPr lang="en-US" altLang="ko-KR" smtClean="0"/>
-              <a:t> flipped phone</a:t>
-            </a:r>
-            <a:r>
-              <a:rPr lang="en-US" altLang="ko-KR" baseline="0" smtClean="0"/>
-              <a:t> forward (front down)</a:t>
-            </a:r>
-            <a:endParaRPr lang="ko-KR" altLang="en-US" dirty="0"/>
-          </a:p>
-        </p:txBody>
-      </p:sp>
-      <p:sp>
-        <p:nvSpPr>
-          <p:cNvPr id="4" name="Slide Number Placeholder 3"/>
-          <p:cNvSpPr>
-            <a:spLocks noGrp="1"/>
-          </p:cNvSpPr>
-          <p:nvPr>
-            <p:ph type="sldNum" sz="quarter" idx="10"/>
-          </p:nvPr>
-        </p:nvSpPr>
-        <p:spPr/>
-        <p:txBody>
-          <a:bodyPr/>
-          <a:lstStyle/>
-          <a:p>
-            <a:pPr>
-              <a:defRPr/>
-            </a:pPr>
-            <a:fld id="{16A33B1B-AC40-430E-887D-9F9BD71A897C}" type="slidenum">
-              <a:rPr lang="en-US" altLang="en-US" smtClean="0"/>
-              <a:pPr>
-                <a:defRPr/>
-              </a:pPr>
-              <a:t>10</a:t>
-            </a:fld>
-            <a:endParaRPr lang="en-US" altLang="en-US"/>
-          </a:p>
-        </p:txBody>
-      </p:sp>
-    </p:spTree>
-    <p:extLst>
-      <p:ext uri="{BB962C8B-B14F-4D97-AF65-F5344CB8AC3E}">
-        <p14:creationId xmlns:p14="http://schemas.microsoft.com/office/powerpoint/2010/main" val="1076477536"/>
       </p:ext>
     </p:extLst>
   </p:cSld>
@@ -8220,7 +8113,7 @@
               </a:lnSpc>
             </a:pPr>
             <a:r>
-              <a:rPr lang="en-US" altLang="ko-KR" sz="1400" dirty="0" smtClean="0">
+              <a:rPr lang="en-US" altLang="ko-KR" sz="1400" b="1" dirty="0" smtClean="0">
                 <a:solidFill>
                   <a:schemeClr val="tx1"/>
                 </a:solidFill>
@@ -8386,135 +8279,74 @@
         </p:blipFill>
         <p:spPr>
           <a:xfrm>
-            <a:off x="1239963" y="1083737"/>
-            <a:ext cx="6737816" cy="5295210"/>
+            <a:off x="339213" y="2095402"/>
+            <a:ext cx="4248632" cy="3338976"/>
           </a:xfrm>
+        </p:spPr>
+      </p:pic>
+      <p:sp>
+        <p:nvSpPr>
+          <p:cNvPr id="3" name="TextBox 2"/>
+          <p:cNvSpPr txBox="1"/>
+          <p:nvPr/>
+        </p:nvSpPr>
+        <p:spPr>
+          <a:xfrm>
+            <a:off x="3835893" y="1192477"/>
+            <a:ext cx="1587294" cy="461665"/>
+          </a:xfrm>
+          <a:prstGeom prst="rect">
+            <a:avLst/>
+          </a:prstGeom>
+          <a:noFill/>
+        </p:spPr>
+        <p:txBody>
+          <a:bodyPr wrap="none" rtlCol="0">
+            <a:spAutoFit/>
+          </a:bodyPr>
+          <a:lstStyle/>
+          <a:p>
+            <a:r>
+              <a:rPr lang="en-US" sz="2400" dirty="0" smtClean="0"/>
+              <a:t>Stationary</a:t>
+            </a:r>
+            <a:endParaRPr lang="en-US" dirty="0"/>
+          </a:p>
+        </p:txBody>
+      </p:sp>
+      <p:pic>
+        <p:nvPicPr>
+          <p:cNvPr id="7" name="Picture 6"/>
+          <p:cNvPicPr>
+            <a:picLocks noChangeAspect="1"/>
+          </p:cNvPicPr>
+          <p:nvPr/>
+        </p:nvPicPr>
+        <p:blipFill rotWithShape="1">
+          <a:blip r:embed="rId4">
+            <a:extLst>
+              <a:ext uri="{28A0092B-C50C-407E-A947-70E740481C1C}">
+                <a14:useLocalDpi xmlns:a14="http://schemas.microsoft.com/office/drawing/2010/main" val="0"/>
+              </a:ext>
+            </a:extLst>
+          </a:blip>
+          <a:srcRect l="6507" t="3963" r="6507" b="3963"/>
+          <a:stretch/>
+        </p:blipFill>
+        <p:spPr>
+          <a:xfrm>
+            <a:off x="4739518" y="2046361"/>
+            <a:ext cx="4330742" cy="3437058"/>
+          </a:xfrm>
+          <a:prstGeom prst="rect">
+            <a:avLst/>
+          </a:prstGeom>
         </p:spPr>
       </p:pic>
     </p:spTree>
     <p:extLst>
       <p:ext uri="{BB962C8B-B14F-4D97-AF65-F5344CB8AC3E}">
         <p14:creationId xmlns:p14="http://schemas.microsoft.com/office/powerpoint/2010/main" val="203214824"/>
-      </p:ext>
-    </p:extLst>
-  </p:cSld>
-  <p:clrMapOvr>
-    <a:masterClrMapping/>
-  </p:clrMapOvr>
-  <p:transition>
-    <p:fade/>
-  </p:transition>
-  <p:timing>
-    <p:tnLst>
-      <p:par>
-        <p:cTn id="1" dur="indefinite" restart="never" nodeType="tmRoot"/>
-      </p:par>
-    </p:tnLst>
-  </p:timing>
-</p:sld>
-</file>
-
-<file path=ppt/slides/slide11.xml><?xml version="1.0" encoding="utf-8"?>
-<p:sld xmlns:a="http://schemas.openxmlformats.org/drawingml/2006/main" xmlns:r="http://schemas.openxmlformats.org/officeDocument/2006/relationships" xmlns:p="http://schemas.openxmlformats.org/presentationml/2006/main">
-  <p:cSld>
-    <p:spTree>
-      <p:nvGrpSpPr>
-        <p:cNvPr id="1" name=""/>
-        <p:cNvGrpSpPr/>
-        <p:nvPr/>
-      </p:nvGrpSpPr>
-      <p:grpSpPr>
-        <a:xfrm>
-          <a:off x="0" y="0"/>
-          <a:ext cx="0" cy="0"/>
-          <a:chOff x="0" y="0"/>
-          <a:chExt cx="0" cy="0"/>
-        </a:xfrm>
-      </p:grpSpPr>
-      <p:sp>
-        <p:nvSpPr>
-          <p:cNvPr id="2" name="Title 1"/>
-          <p:cNvSpPr>
-            <a:spLocks noGrp="1"/>
-          </p:cNvSpPr>
-          <p:nvPr>
-            <p:ph type="title"/>
-          </p:nvPr>
-        </p:nvSpPr>
-        <p:spPr/>
-        <p:txBody>
-          <a:bodyPr/>
-          <a:lstStyle/>
-          <a:p>
-            <a:r>
-              <a:rPr lang="en-US" altLang="ko-KR" dirty="0" smtClean="0"/>
-              <a:t>Magnets Do Weird Things</a:t>
-            </a:r>
-            <a:endParaRPr lang="ko-KR" altLang="en-US" dirty="0"/>
-          </a:p>
-        </p:txBody>
-      </p:sp>
-      <p:sp>
-        <p:nvSpPr>
-          <p:cNvPr id="4" name="Slide Number Placeholder 3"/>
-          <p:cNvSpPr>
-            <a:spLocks noGrp="1"/>
-          </p:cNvSpPr>
-          <p:nvPr>
-            <p:ph type="sldNum" sz="quarter" idx="11"/>
-          </p:nvPr>
-        </p:nvSpPr>
-        <p:spPr/>
-        <p:txBody>
-          <a:bodyPr/>
-          <a:lstStyle/>
-          <a:p>
-            <a:pPr>
-              <a:defRPr/>
-            </a:pPr>
-            <a:fld id="{AC1B8B9B-6C47-4C9C-A963-50272F21E42D}" type="slidenum">
-              <a:rPr lang="en-US" altLang="en-US" smtClean="0"/>
-              <a:pPr>
-                <a:defRPr/>
-              </a:pPr>
-              <a:t>10</a:t>
-            </a:fld>
-            <a:endParaRPr lang="en-US" altLang="en-US"/>
-          </a:p>
-        </p:txBody>
-      </p:sp>
-      <p:pic>
-        <p:nvPicPr>
-          <p:cNvPr id="5" name="Content Placeholder 4"/>
-          <p:cNvPicPr>
-            <a:picLocks noGrp="1" noChangeAspect="1"/>
-          </p:cNvPicPr>
-          <p:nvPr>
-            <p:ph idx="1"/>
-          </p:nvPr>
-        </p:nvPicPr>
-        <p:blipFill rotWithShape="1">
-          <a:blip r:embed="rId3">
-            <a:extLst>
-              <a:ext uri="{28A0092B-C50C-407E-A947-70E740481C1C}">
-                <a14:useLocalDpi xmlns:a14="http://schemas.microsoft.com/office/drawing/2010/main" val="0"/>
-              </a:ext>
-            </a:extLst>
-          </a:blip>
-          <a:srcRect l="6841" t="4577" r="5763" b="5053"/>
-          <a:stretch/>
-        </p:blipFill>
-        <p:spPr>
-          <a:xfrm>
-            <a:off x="1136900" y="1083737"/>
-            <a:ext cx="6943942" cy="5383700"/>
-          </a:xfrm>
-        </p:spPr>
-      </p:pic>
-    </p:spTree>
-    <p:extLst>
-      <p:ext uri="{BB962C8B-B14F-4D97-AF65-F5344CB8AC3E}">
-        <p14:creationId xmlns:p14="http://schemas.microsoft.com/office/powerpoint/2010/main" val="892559633"/>
       </p:ext>
     </p:extLst>
   </p:cSld>
@@ -8621,13 +8453,13 @@
               </a:ext>
             </a:extLst>
           </a:blip>
-          <a:srcRect l="8781" t="4449" r="7347" b="6134"/>
+          <a:srcRect l="8453" t="4970" r="8453" b="4970"/>
           <a:stretch/>
         </p:blipFill>
         <p:spPr>
           <a:xfrm>
-            <a:off x="477720" y="1083737"/>
-            <a:ext cx="8306546" cy="5324708"/>
+            <a:off x="276002" y="1401097"/>
+            <a:ext cx="8709982" cy="4689988"/>
           </a:xfrm>
         </p:spPr>
       </p:pic>
@@ -8776,7 +8608,7 @@
               </a:lnSpc>
             </a:pPr>
             <a:r>
-              <a:rPr lang="en-US" altLang="ko-KR" sz="1400" dirty="0" smtClean="0">
+              <a:rPr lang="en-US" altLang="ko-KR" sz="1400" b="1" dirty="0" smtClean="0">
                 <a:solidFill>
                   <a:schemeClr val="tx1"/>
                 </a:solidFill>
@@ -8937,13 +8769,13 @@
               </a:ext>
             </a:extLst>
           </a:blip>
-          <a:srcRect l="8064" t="4449" r="7528" b="5836"/>
+          <a:srcRect l="9312" t="4563" r="8214" b="4563"/>
           <a:stretch/>
         </p:blipFill>
         <p:spPr>
           <a:xfrm>
-            <a:off x="501443" y="1137975"/>
-            <a:ext cx="8185358" cy="5230980"/>
+            <a:off x="162231" y="1327355"/>
+            <a:ext cx="8863781" cy="4852220"/>
           </a:xfrm>
         </p:spPr>
       </p:pic>
@@ -9107,7 +8939,7 @@
               </a:lnSpc>
             </a:pPr>
             <a:r>
-              <a:rPr lang="en-US" altLang="ko-KR" sz="1400" dirty="0" smtClean="0">
+              <a:rPr lang="en-US" altLang="ko-KR" sz="1400" b="1" dirty="0" smtClean="0">
                 <a:solidFill>
                   <a:schemeClr val="tx1"/>
                 </a:solidFill>
@@ -9115,7 +8947,7 @@
               <a:t>Estimate Position with </a:t>
             </a:r>
             <a:r>
-              <a:rPr lang="en-US" altLang="ko-KR" sz="1400" dirty="0" err="1" smtClean="0">
+              <a:rPr lang="en-US" altLang="ko-KR" sz="1400" b="1" dirty="0" err="1" smtClean="0">
                 <a:solidFill>
                   <a:schemeClr val="tx1"/>
                 </a:solidFill>
@@ -9123,7 +8955,7 @@
               <a:t>Kalman</a:t>
             </a:r>
             <a:r>
-              <a:rPr lang="en-US" altLang="ko-KR" sz="1400" dirty="0" smtClean="0">
+              <a:rPr lang="en-US" altLang="ko-KR" sz="1400" b="1" dirty="0" smtClean="0">
                 <a:solidFill>
                   <a:schemeClr val="tx1"/>
                 </a:solidFill>
@@ -9138,7 +8970,7 @@
               </a:lnSpc>
             </a:pPr>
             <a:r>
-              <a:rPr lang="en-US" altLang="ko-KR" sz="1400" dirty="0" smtClean="0">
+              <a:rPr lang="en-US" altLang="ko-KR" sz="1400" b="1" dirty="0" smtClean="0">
                 <a:solidFill>
                   <a:schemeClr val="tx1"/>
                 </a:solidFill>
@@ -9153,18 +8985,13 @@
               </a:lnSpc>
             </a:pPr>
             <a:r>
-              <a:rPr lang="en-US" altLang="ko-KR" sz="1400" dirty="0" smtClean="0">
+              <a:rPr lang="en-US" altLang="ko-KR" sz="1400" b="1" dirty="0" smtClean="0">
                 <a:solidFill>
                   <a:schemeClr val="tx1"/>
                 </a:solidFill>
               </a:rPr>
               <a:t>KF over GPS readings and IMU</a:t>
             </a:r>
-            <a:endParaRPr lang="en-US" altLang="ko-KR" sz="1400" dirty="0" smtClean="0">
-              <a:solidFill>
-                <a:schemeClr val="tx1"/>
-              </a:solidFill>
-            </a:endParaRPr>
           </a:p>
           <a:p>
             <a:pPr lvl="3">
@@ -9173,18 +9000,13 @@
               </a:lnSpc>
             </a:pPr>
             <a:r>
-              <a:rPr lang="en-US" altLang="ko-KR" sz="1400" dirty="0" smtClean="0">
+              <a:rPr lang="en-US" altLang="ko-KR" sz="1400" b="1" dirty="0" smtClean="0">
                 <a:solidFill>
                   <a:schemeClr val="tx1"/>
                 </a:solidFill>
               </a:rPr>
               <a:t>Predict GPS position between readings with KF</a:t>
             </a:r>
-            <a:endParaRPr lang="en-US" altLang="ko-KR" sz="1400" dirty="0" smtClean="0">
-              <a:solidFill>
-                <a:schemeClr val="tx1"/>
-              </a:solidFill>
-            </a:endParaRPr>
           </a:p>
           <a:p>
             <a:pPr>
@@ -9343,13 +9165,13 @@
               </a:ext>
             </a:extLst>
           </a:blip>
-          <a:srcRect l="8064" t="4747" r="7707" b="5836"/>
+          <a:srcRect l="9533" t="4747" r="8453" b="4747"/>
           <a:stretch/>
         </p:blipFill>
         <p:spPr>
           <a:xfrm>
-            <a:off x="486696" y="1143785"/>
-            <a:ext cx="8200104" cy="5234108"/>
+            <a:off x="82117" y="1283110"/>
+            <a:ext cx="9038760" cy="4955458"/>
           </a:xfrm>
         </p:spPr>
       </p:pic>
@@ -9564,8 +9386,8 @@
           <a:effectLst/>
         </p:spPr>
       </p:cxnSp>
-      <mc:AlternateContent xmlns:mc="http://schemas.openxmlformats.org/markup-compatibility/2006">
-        <mc:Choice xmlns:a14="http://schemas.microsoft.com/office/drawing/2010/main" Requires="a14">
+      <mc:AlternateContent xmlns:mc="http://schemas.openxmlformats.org/markup-compatibility/2006" xmlns:a14="http://schemas.microsoft.com/office/drawing/2010/main">
+        <mc:Choice Requires="a14">
           <p:sp>
             <p:nvSpPr>
               <p:cNvPr id="10" name="TextBox 9"/>
@@ -9684,7 +9506,7 @@
             </p:txBody>
           </p:sp>
         </mc:Choice>
-        <mc:Fallback>
+        <mc:Fallback xmlns="">
           <p:sp>
             <p:nvSpPr>
               <p:cNvPr id="10" name="TextBox 9"/>
@@ -9728,8 +9550,8 @@
           </p:sp>
         </mc:Fallback>
       </mc:AlternateContent>
-      <mc:AlternateContent xmlns:mc="http://schemas.openxmlformats.org/markup-compatibility/2006">
-        <mc:Choice xmlns:a14="http://schemas.microsoft.com/office/drawing/2010/main" Requires="a14">
+      <mc:AlternateContent xmlns:mc="http://schemas.openxmlformats.org/markup-compatibility/2006" xmlns:a14="http://schemas.microsoft.com/office/drawing/2010/main">
+        <mc:Choice Requires="a14">
           <p:sp>
             <p:nvSpPr>
               <p:cNvPr id="11" name="TextBox 10"/>
@@ -9849,7 +9671,7 @@
             </p:txBody>
           </p:sp>
         </mc:Choice>
-        <mc:Fallback>
+        <mc:Fallback xmlns="">
           <p:sp>
             <p:nvSpPr>
               <p:cNvPr id="11" name="TextBox 10"/>
@@ -10515,13 +10337,13 @@
               </a:ext>
             </a:extLst>
           </a:blip>
-          <a:srcRect l="7527" t="4449" r="7527" b="6134"/>
+          <a:srcRect l="9855" t="4481" r="8453" b="4481"/>
           <a:stretch/>
         </p:blipFill>
         <p:spPr>
           <a:xfrm>
-            <a:off x="365480" y="1083737"/>
-            <a:ext cx="8413040" cy="5324708"/>
+            <a:off x="191386" y="1312606"/>
+            <a:ext cx="8790726" cy="4866970"/>
           </a:xfrm>
         </p:spPr>
       </p:pic>
